--- a/Non-Code Related/PowerPoint Presentation v2.pptx
+++ b/Non-Code Related/PowerPoint Presentation v2.pptx
@@ -3637,13 +3637,13 @@
   <p:clrMapOvr>
     <a:overrideClrMapping bg1="dk1" tx1="lt1" bg2="dk2" tx2="lt2" accent1="accent1" accent2="accent2" accent3="accent3" accent4="accent4" accent5="accent5" accent6="accent6" hlink="hlink" folHlink="folHlink"/>
   </p:clrMapOvr>
-  <mc:AlternateContent xmlns:mc="http://schemas.openxmlformats.org/markup-compatibility/2006">
-    <mc:Choice xmlns:p14="http://schemas.microsoft.com/office/powerpoint/2010/main" Requires="p14">
+  <mc:AlternateContent xmlns:mc="http://schemas.openxmlformats.org/markup-compatibility/2006" xmlns:p14="http://schemas.microsoft.com/office/powerpoint/2010/main">
+    <mc:Choice Requires="p14">
       <p:transition spd="med" p14:dur="700">
         <p:fade/>
       </p:transition>
     </mc:Choice>
-    <mc:Fallback>
+    <mc:Fallback xmlns="">
       <p:transition spd="med">
         <p:fade/>
       </p:transition>
@@ -4681,6 +4681,13 @@
             <a:pPr lvl="1"/>
             <a:r>
               <a:rPr lang="en-US" sz="2000" dirty="0"/>
+              <a:t>Translating music theory into code</a:t>
+            </a:r>
+          </a:p>
+          <a:p>
+            <a:pPr lvl="1"/>
+            <a:r>
+              <a:rPr lang="en-US" sz="2000" dirty="0"/>
               <a:t>Saving notes</a:t>
             </a:r>
           </a:p>
@@ -4696,13 +4703,6 @@
             <a:r>
               <a:rPr lang="en-US" sz="2000" dirty="0"/>
               <a:t>Deciding which part of the program does what</a:t>
-            </a:r>
-          </a:p>
-          <a:p>
-            <a:pPr lvl="1"/>
-            <a:r>
-              <a:rPr lang="en-US" sz="2000" dirty="0"/>
-              <a:t>Translating music theory into code</a:t>
             </a:r>
           </a:p>
           <a:p>
@@ -6125,6 +6125,59 @@
                       </p:childTnLst>
                     </p:cTn>
                   </p:par>
+                  <p:par>
+                    <p:cTn id="19" fill="hold">
+                      <p:stCondLst>
+                        <p:cond delay="indefinite"/>
+                      </p:stCondLst>
+                      <p:childTnLst>
+                        <p:par>
+                          <p:cTn id="20" fill="hold">
+                            <p:stCondLst>
+                              <p:cond delay="0"/>
+                            </p:stCondLst>
+                            <p:childTnLst>
+                              <p:par>
+                                <p:cTn id="21" presetID="10" presetClass="exit" presetSubtype="0" fill="hold" nodeType="clickEffect">
+                                  <p:stCondLst>
+                                    <p:cond delay="0"/>
+                                  </p:stCondLst>
+                                  <p:childTnLst>
+                                    <p:animEffect transition="out" filter="fade">
+                                      <p:cBhvr>
+                                        <p:cTn id="22" dur="500"/>
+                                        <p:tgtEl>
+                                          <p:spTgt spid="28"/>
+                                        </p:tgtEl>
+                                      </p:cBhvr>
+                                    </p:animEffect>
+                                    <p:set>
+                                      <p:cBhvr>
+                                        <p:cTn id="23" dur="1" fill="hold">
+                                          <p:stCondLst>
+                                            <p:cond delay="499"/>
+                                          </p:stCondLst>
+                                        </p:cTn>
+                                        <p:tgtEl>
+                                          <p:spTgt spid="28"/>
+                                        </p:tgtEl>
+                                        <p:attrNameLst>
+                                          <p:attrName>style.visibility</p:attrName>
+                                        </p:attrNameLst>
+                                      </p:cBhvr>
+                                      <p:to>
+                                        <p:strVal val="hidden"/>
+                                      </p:to>
+                                    </p:set>
+                                  </p:childTnLst>
+                                </p:cTn>
+                              </p:par>
+                            </p:childTnLst>
+                          </p:cTn>
+                        </p:par>
+                      </p:childTnLst>
+                    </p:cTn>
+                  </p:par>
                 </p:childTnLst>
               </p:cTn>
               <p:prevCondLst>
@@ -7560,13 +7613,13 @@
   <p:clrMapOvr>
     <a:overrideClrMapping bg1="dk1" tx1="lt1" bg2="dk2" tx2="lt2" accent1="accent1" accent2="accent2" accent3="accent3" accent4="accent4" accent5="accent5" accent6="accent6" hlink="hlink" folHlink="folHlink"/>
   </p:clrMapOvr>
-  <mc:AlternateContent xmlns:mc="http://schemas.openxmlformats.org/markup-compatibility/2006">
-    <mc:Choice xmlns:p14="http://schemas.microsoft.com/office/powerpoint/2010/main" Requires="p14">
+  <mc:AlternateContent xmlns:mc="http://schemas.openxmlformats.org/markup-compatibility/2006" xmlns:p14="http://schemas.microsoft.com/office/powerpoint/2010/main">
+    <mc:Choice Requires="p14">
       <p:transition spd="slow" p14:dur="2000">
         <p14:vortex dir="r"/>
       </p:transition>
     </mc:Choice>
-    <mc:Fallback>
+    <mc:Fallback xmlns="">
       <p:transition spd="slow">
         <p:fade/>
       </p:transition>
